--- a/lectures/11_Interactions/images/confounder.pptx
+++ b/lectures/11_Interactions/images/confounder.pptx
@@ -2,7 +2,7 @@
 <file path=ppt/presentation.xml><?xml version="1.0" encoding="utf-8"?>
 <p:presentation xmlns:a="http://schemas.openxmlformats.org/drawingml/2006/main" xmlns:r="http://schemas.openxmlformats.org/officeDocument/2006/relationships" xmlns:p="http://schemas.openxmlformats.org/presentationml/2006/main" saveSubsetFonts="1" autoCompressPictures="0">
   <p:sldMasterIdLst>
-    <p:sldMasterId id="2147483648" r:id="rId1"/>
+    <p:sldMasterId id="2147483660" r:id="rId1"/>
   </p:sldMasterIdLst>
   <p:sldIdLst>
     <p:sldId id="256" r:id="rId2"/>
@@ -14,7 +14,7 @@
     <a:defPPr>
       <a:defRPr lang="en-US"/>
     </a:defPPr>
-    <a:lvl1pPr marL="0" algn="l" defTabSz="914400" rtl="0" eaLnBrk="1" latinLnBrk="0" hangingPunct="1">
+    <a:lvl1pPr marL="0" algn="l" defTabSz="457200" rtl="0" eaLnBrk="1" latinLnBrk="0" hangingPunct="1">
       <a:defRPr sz="1800" kern="1200">
         <a:solidFill>
           <a:schemeClr val="tx1"/>
@@ -24,7 +24,7 @@
         <a:cs typeface="+mn-cs"/>
       </a:defRPr>
     </a:lvl1pPr>
-    <a:lvl2pPr marL="457200" algn="l" defTabSz="914400" rtl="0" eaLnBrk="1" latinLnBrk="0" hangingPunct="1">
+    <a:lvl2pPr marL="457200" algn="l" defTabSz="457200" rtl="0" eaLnBrk="1" latinLnBrk="0" hangingPunct="1">
       <a:defRPr sz="1800" kern="1200">
         <a:solidFill>
           <a:schemeClr val="tx1"/>
@@ -34,7 +34,7 @@
         <a:cs typeface="+mn-cs"/>
       </a:defRPr>
     </a:lvl2pPr>
-    <a:lvl3pPr marL="914400" algn="l" defTabSz="914400" rtl="0" eaLnBrk="1" latinLnBrk="0" hangingPunct="1">
+    <a:lvl3pPr marL="914400" algn="l" defTabSz="457200" rtl="0" eaLnBrk="1" latinLnBrk="0" hangingPunct="1">
       <a:defRPr sz="1800" kern="1200">
         <a:solidFill>
           <a:schemeClr val="tx1"/>
@@ -44,7 +44,7 @@
         <a:cs typeface="+mn-cs"/>
       </a:defRPr>
     </a:lvl3pPr>
-    <a:lvl4pPr marL="1371600" algn="l" defTabSz="914400" rtl="0" eaLnBrk="1" latinLnBrk="0" hangingPunct="1">
+    <a:lvl4pPr marL="1371600" algn="l" defTabSz="457200" rtl="0" eaLnBrk="1" latinLnBrk="0" hangingPunct="1">
       <a:defRPr sz="1800" kern="1200">
         <a:solidFill>
           <a:schemeClr val="tx1"/>
@@ -54,7 +54,7 @@
         <a:cs typeface="+mn-cs"/>
       </a:defRPr>
     </a:lvl4pPr>
-    <a:lvl5pPr marL="1828800" algn="l" defTabSz="914400" rtl="0" eaLnBrk="1" latinLnBrk="0" hangingPunct="1">
+    <a:lvl5pPr marL="1828800" algn="l" defTabSz="457200" rtl="0" eaLnBrk="1" latinLnBrk="0" hangingPunct="1">
       <a:defRPr sz="1800" kern="1200">
         <a:solidFill>
           <a:schemeClr val="tx1"/>
@@ -64,7 +64,7 @@
         <a:cs typeface="+mn-cs"/>
       </a:defRPr>
     </a:lvl5pPr>
-    <a:lvl6pPr marL="2286000" algn="l" defTabSz="914400" rtl="0" eaLnBrk="1" latinLnBrk="0" hangingPunct="1">
+    <a:lvl6pPr marL="2286000" algn="l" defTabSz="457200" rtl="0" eaLnBrk="1" latinLnBrk="0" hangingPunct="1">
       <a:defRPr sz="1800" kern="1200">
         <a:solidFill>
           <a:schemeClr val="tx1"/>
@@ -74,7 +74,7 @@
         <a:cs typeface="+mn-cs"/>
       </a:defRPr>
     </a:lvl6pPr>
-    <a:lvl7pPr marL="2743200" algn="l" defTabSz="914400" rtl="0" eaLnBrk="1" latinLnBrk="0" hangingPunct="1">
+    <a:lvl7pPr marL="2743200" algn="l" defTabSz="457200" rtl="0" eaLnBrk="1" latinLnBrk="0" hangingPunct="1">
       <a:defRPr sz="1800" kern="1200">
         <a:solidFill>
           <a:schemeClr val="tx1"/>
@@ -84,7 +84,7 @@
         <a:cs typeface="+mn-cs"/>
       </a:defRPr>
     </a:lvl7pPr>
-    <a:lvl8pPr marL="3200400" algn="l" defTabSz="914400" rtl="0" eaLnBrk="1" latinLnBrk="0" hangingPunct="1">
+    <a:lvl8pPr marL="3200400" algn="l" defTabSz="457200" rtl="0" eaLnBrk="1" latinLnBrk="0" hangingPunct="1">
       <a:defRPr sz="1800" kern="1200">
         <a:solidFill>
           <a:schemeClr val="tx1"/>
@@ -94,7 +94,7 @@
         <a:cs typeface="+mn-cs"/>
       </a:defRPr>
     </a:lvl8pPr>
-    <a:lvl9pPr marL="3657600" algn="l" defTabSz="914400" rtl="0" eaLnBrk="1" latinLnBrk="0" hangingPunct="1">
+    <a:lvl9pPr marL="3657600" algn="l" defTabSz="457200" rtl="0" eaLnBrk="1" latinLnBrk="0" hangingPunct="1">
       <a:defRPr sz="1800" kern="1200">
         <a:solidFill>
           <a:schemeClr val="tx1"/>
@@ -105,7 +105,80 @@
       </a:defRPr>
     </a:lvl9pPr>
   </p:defaultTextStyle>
+  <p:extLst>
+    <p:ext uri="{EFAFB233-063F-42B5-8137-9DF3F51BA10A}">
+      <p15:sldGuideLst xmlns:p15="http://schemas.microsoft.com/office/powerpoint/2012/main"/>
+    </p:ext>
+  </p:extLst>
 </p:presentation>
+</file>
+
+<file path=ppt/changesInfos/changesInfo1.xml><?xml version="1.0" encoding="utf-8"?>
+<pc:chgInfo xmlns:a="http://schemas.openxmlformats.org/drawingml/2006/main" xmlns:r="http://schemas.openxmlformats.org/officeDocument/2006/relationships" xmlns:ac="http://schemas.microsoft.com/office/drawing/2013/main/command" xmlns:pc="http://schemas.microsoft.com/office/powerpoint/2013/main/command">
+  <pc:docChgLst>
+    <pc:chgData name="Nicky Wakim" userId="63a62853-8dd4-431b-8872-ecc2181a70d8" providerId="ADAL" clId="{86469A8E-1624-F040-AF04-2E24059B16B6}"/>
+    <pc:docChg chg="modSld">
+      <pc:chgData name="Nicky Wakim" userId="63a62853-8dd4-431b-8872-ecc2181a70d8" providerId="ADAL" clId="{86469A8E-1624-F040-AF04-2E24059B16B6}" dt="2024-05-07T16:07:52.575" v="6" actId="208"/>
+      <pc:docMkLst>
+        <pc:docMk/>
+      </pc:docMkLst>
+      <pc:sldChg chg="modSp">
+        <pc:chgData name="Nicky Wakim" userId="63a62853-8dd4-431b-8872-ecc2181a70d8" providerId="ADAL" clId="{86469A8E-1624-F040-AF04-2E24059B16B6}" dt="2024-05-07T16:07:15.528" v="0"/>
+        <pc:sldMkLst>
+          <pc:docMk/>
+          <pc:sldMk cId="3116679428" sldId="256"/>
+        </pc:sldMkLst>
+        <pc:spChg chg="mod">
+          <ac:chgData name="Nicky Wakim" userId="63a62853-8dd4-431b-8872-ecc2181a70d8" providerId="ADAL" clId="{86469A8E-1624-F040-AF04-2E24059B16B6}" dt="2024-05-07T16:07:15.528" v="0"/>
+          <ac:spMkLst>
+            <pc:docMk/>
+            <pc:sldMk cId="3116679428" sldId="256"/>
+            <ac:spMk id="2" creationId="{C1399EB6-2195-916B-271C-7D10CE48080D}"/>
+          </ac:spMkLst>
+        </pc:spChg>
+        <pc:spChg chg="mod">
+          <ac:chgData name="Nicky Wakim" userId="63a62853-8dd4-431b-8872-ecc2181a70d8" providerId="ADAL" clId="{86469A8E-1624-F040-AF04-2E24059B16B6}" dt="2024-05-07T16:07:15.528" v="0"/>
+          <ac:spMkLst>
+            <pc:docMk/>
+            <pc:sldMk cId="3116679428" sldId="256"/>
+            <ac:spMk id="3" creationId="{7BE9187B-B29F-1A75-FB13-E7D07F0E8AC0}"/>
+          </ac:spMkLst>
+        </pc:spChg>
+      </pc:sldChg>
+      <pc:sldChg chg="modSp mod">
+        <pc:chgData name="Nicky Wakim" userId="63a62853-8dd4-431b-8872-ecc2181a70d8" providerId="ADAL" clId="{86469A8E-1624-F040-AF04-2E24059B16B6}" dt="2024-05-07T16:07:52.575" v="6" actId="208"/>
+        <pc:sldMkLst>
+          <pc:docMk/>
+          <pc:sldMk cId="580906979" sldId="257"/>
+        </pc:sldMkLst>
+        <pc:spChg chg="mod">
+          <ac:chgData name="Nicky Wakim" userId="63a62853-8dd4-431b-8872-ecc2181a70d8" providerId="ADAL" clId="{86469A8E-1624-F040-AF04-2E24059B16B6}" dt="2024-05-07T16:07:29.771" v="2" actId="208"/>
+          <ac:spMkLst>
+            <pc:docMk/>
+            <pc:sldMk cId="580906979" sldId="257"/>
+            <ac:spMk id="14" creationId="{A9F6C46B-A499-41AF-3260-EB2A26A815E8}"/>
+          </ac:spMkLst>
+        </pc:spChg>
+        <pc:spChg chg="mod">
+          <ac:chgData name="Nicky Wakim" userId="63a62853-8dd4-431b-8872-ecc2181a70d8" providerId="ADAL" clId="{86469A8E-1624-F040-AF04-2E24059B16B6}" dt="2024-05-07T16:07:38.833" v="4" actId="208"/>
+          <ac:spMkLst>
+            <pc:docMk/>
+            <pc:sldMk cId="580906979" sldId="257"/>
+            <ac:spMk id="15" creationId="{D8F073F9-6127-B75E-CEB1-E4EE62F71E7D}"/>
+          </ac:spMkLst>
+        </pc:spChg>
+        <pc:spChg chg="mod">
+          <ac:chgData name="Nicky Wakim" userId="63a62853-8dd4-431b-8872-ecc2181a70d8" providerId="ADAL" clId="{86469A8E-1624-F040-AF04-2E24059B16B6}" dt="2024-05-07T16:07:52.575" v="6" actId="208"/>
+          <ac:spMkLst>
+            <pc:docMk/>
+            <pc:sldMk cId="580906979" sldId="257"/>
+            <ac:spMk id="16" creationId="{AD138EE6-FBE4-4AC3-60DF-0CEDAFBBB1E4}"/>
+          </ac:spMkLst>
+        </pc:spChg>
+      </pc:sldChg>
+    </pc:docChg>
+  </pc:docChgLst>
+</pc:chgInfo>
 </file>
 
 <file path=ppt/slideLayouts/slideLayout1.xml><?xml version="1.0" encoding="utf-8"?>
@@ -127,13 +200,7 @@
       </p:grpSpPr>
       <p:sp>
         <p:nvSpPr>
-          <p:cNvPr id="2" name="Title 1">
-            <a:extLst>
-              <a:ext uri="{FF2B5EF4-FFF2-40B4-BE49-F238E27FC236}">
-                <a16:creationId xmlns:a16="http://schemas.microsoft.com/office/drawing/2014/main" id="{A47CB1BA-D0BD-D8FD-316E-018ADB9CC715}"/>
-              </a:ext>
-            </a:extLst>
-          </p:cNvPr>
+          <p:cNvPr id="2" name="Title 1"/>
           <p:cNvSpPr>
             <a:spLocks noGrp="1"/>
           </p:cNvSpPr>
@@ -159,18 +226,13 @@
               <a:rPr lang="en-US"/>
               <a:t>Click to edit Master title style</a:t>
             </a:r>
-          </a:p>
-        </p:txBody>
-      </p:sp>
-      <p:sp>
-        <p:nvSpPr>
-          <p:cNvPr id="3" name="Subtitle 2">
-            <a:extLst>
-              <a:ext uri="{FF2B5EF4-FFF2-40B4-BE49-F238E27FC236}">
-                <a16:creationId xmlns:a16="http://schemas.microsoft.com/office/drawing/2014/main" id="{5CFAD725-23F2-E202-035A-B3F094D1DD9F}"/>
-              </a:ext>
-            </a:extLst>
-          </p:cNvPr>
+            <a:endParaRPr lang="en-US" dirty="0"/>
+          </a:p>
+        </p:txBody>
+      </p:sp>
+      <p:sp>
+        <p:nvSpPr>
+          <p:cNvPr id="3" name="Subtitle 2"/>
           <p:cNvSpPr>
             <a:spLocks noGrp="1"/>
           </p:cNvSpPr>
@@ -229,18 +291,13 @@
               <a:rPr lang="en-US"/>
               <a:t>Click to edit Master subtitle style</a:t>
             </a:r>
-          </a:p>
-        </p:txBody>
-      </p:sp>
-      <p:sp>
-        <p:nvSpPr>
-          <p:cNvPr id="4" name="Date Placeholder 3">
-            <a:extLst>
-              <a:ext uri="{FF2B5EF4-FFF2-40B4-BE49-F238E27FC236}">
-                <a16:creationId xmlns:a16="http://schemas.microsoft.com/office/drawing/2014/main" id="{81E9E62F-088E-006F-445A-AC141EE135BB}"/>
-              </a:ext>
-            </a:extLst>
-          </p:cNvPr>
+            <a:endParaRPr lang="en-US" dirty="0"/>
+          </a:p>
+        </p:txBody>
+      </p:sp>
+      <p:sp>
+        <p:nvSpPr>
+          <p:cNvPr id="4" name="Date Placeholder 3"/>
           <p:cNvSpPr>
             <a:spLocks noGrp="1"/>
           </p:cNvSpPr>
@@ -255,7 +312,7 @@
           <a:p>
             <a:fld id="{F6E044D1-5B3B-1B4A-A37D-02C823E29202}" type="datetimeFigureOut">
               <a:rPr lang="en-US" smtClean="0"/>
-              <a:t>2/12/24</a:t>
+              <a:t>5/7/24</a:t>
             </a:fld>
             <a:endParaRPr lang="en-US"/>
           </a:p>
@@ -263,13 +320,7 @@
       </p:sp>
       <p:sp>
         <p:nvSpPr>
-          <p:cNvPr id="5" name="Footer Placeholder 4">
-            <a:extLst>
-              <a:ext uri="{FF2B5EF4-FFF2-40B4-BE49-F238E27FC236}">
-                <a16:creationId xmlns:a16="http://schemas.microsoft.com/office/drawing/2014/main" id="{C429B477-4D99-4A19-9306-B1923DDF160B}"/>
-              </a:ext>
-            </a:extLst>
-          </p:cNvPr>
+          <p:cNvPr id="5" name="Footer Placeholder 4"/>
           <p:cNvSpPr>
             <a:spLocks noGrp="1"/>
           </p:cNvSpPr>
@@ -288,13 +339,7 @@
       </p:sp>
       <p:sp>
         <p:nvSpPr>
-          <p:cNvPr id="6" name="Slide Number Placeholder 5">
-            <a:extLst>
-              <a:ext uri="{FF2B5EF4-FFF2-40B4-BE49-F238E27FC236}">
-                <a16:creationId xmlns:a16="http://schemas.microsoft.com/office/drawing/2014/main" id="{3D511F25-B467-AD16-B67B-C685F64258DC}"/>
-              </a:ext>
-            </a:extLst>
-          </p:cNvPr>
+          <p:cNvPr id="6" name="Slide Number Placeholder 5"/>
           <p:cNvSpPr>
             <a:spLocks noGrp="1"/>
           </p:cNvSpPr>
@@ -318,7 +363,7 @@
     </p:spTree>
     <p:extLst>
       <p:ext uri="{BB962C8B-B14F-4D97-AF65-F5344CB8AC3E}">
-        <p14:creationId xmlns:p14="http://schemas.microsoft.com/office/powerpoint/2010/main" val="1013712263"/>
+        <p14:creationId xmlns:p14="http://schemas.microsoft.com/office/powerpoint/2010/main" val="230128738"/>
       </p:ext>
     </p:extLst>
   </p:cSld>
@@ -347,13 +392,7 @@
       </p:grpSpPr>
       <p:sp>
         <p:nvSpPr>
-          <p:cNvPr id="2" name="Title 1">
-            <a:extLst>
-              <a:ext uri="{FF2B5EF4-FFF2-40B4-BE49-F238E27FC236}">
-                <a16:creationId xmlns:a16="http://schemas.microsoft.com/office/drawing/2014/main" id="{EE01844B-0842-9D10-1998-400AA243E470}"/>
-              </a:ext>
-            </a:extLst>
-          </p:cNvPr>
+          <p:cNvPr id="2" name="Title 1"/>
           <p:cNvSpPr>
             <a:spLocks noGrp="1"/>
           </p:cNvSpPr>
@@ -370,18 +409,13 @@
               <a:rPr lang="en-US"/>
               <a:t>Click to edit Master title style</a:t>
             </a:r>
-          </a:p>
-        </p:txBody>
-      </p:sp>
-      <p:sp>
-        <p:nvSpPr>
-          <p:cNvPr id="3" name="Vertical Text Placeholder 2">
-            <a:extLst>
-              <a:ext uri="{FF2B5EF4-FFF2-40B4-BE49-F238E27FC236}">
-                <a16:creationId xmlns:a16="http://schemas.microsoft.com/office/drawing/2014/main" id="{679C7F79-6BE6-2246-305F-699B825D4FD9}"/>
-              </a:ext>
-            </a:extLst>
-          </p:cNvPr>
+            <a:endParaRPr lang="en-US" dirty="0"/>
+          </a:p>
+        </p:txBody>
+      </p:sp>
+      <p:sp>
+        <p:nvSpPr>
+          <p:cNvPr id="3" name="Vertical Text Placeholder 2"/>
           <p:cNvSpPr>
             <a:spLocks noGrp="1"/>
           </p:cNvSpPr>
@@ -427,18 +461,13 @@
               <a:rPr lang="en-US"/>
               <a:t>Fifth level</a:t>
             </a:r>
-          </a:p>
-        </p:txBody>
-      </p:sp>
-      <p:sp>
-        <p:nvSpPr>
-          <p:cNvPr id="4" name="Date Placeholder 3">
-            <a:extLst>
-              <a:ext uri="{FF2B5EF4-FFF2-40B4-BE49-F238E27FC236}">
-                <a16:creationId xmlns:a16="http://schemas.microsoft.com/office/drawing/2014/main" id="{FE8B4A93-8FBC-E7F9-DFC1-337A27B5720A}"/>
-              </a:ext>
-            </a:extLst>
-          </p:cNvPr>
+            <a:endParaRPr lang="en-US" dirty="0"/>
+          </a:p>
+        </p:txBody>
+      </p:sp>
+      <p:sp>
+        <p:nvSpPr>
+          <p:cNvPr id="4" name="Date Placeholder 3"/>
           <p:cNvSpPr>
             <a:spLocks noGrp="1"/>
           </p:cNvSpPr>
@@ -453,7 +482,7 @@
           <a:p>
             <a:fld id="{F6E044D1-5B3B-1B4A-A37D-02C823E29202}" type="datetimeFigureOut">
               <a:rPr lang="en-US" smtClean="0"/>
-              <a:t>2/12/24</a:t>
+              <a:t>5/7/24</a:t>
             </a:fld>
             <a:endParaRPr lang="en-US"/>
           </a:p>
@@ -461,13 +490,7 @@
       </p:sp>
       <p:sp>
         <p:nvSpPr>
-          <p:cNvPr id="5" name="Footer Placeholder 4">
-            <a:extLst>
-              <a:ext uri="{FF2B5EF4-FFF2-40B4-BE49-F238E27FC236}">
-                <a16:creationId xmlns:a16="http://schemas.microsoft.com/office/drawing/2014/main" id="{24B63F58-8FF0-848A-6CCB-AADD3BAE6D57}"/>
-              </a:ext>
-            </a:extLst>
-          </p:cNvPr>
+          <p:cNvPr id="5" name="Footer Placeholder 4"/>
           <p:cNvSpPr>
             <a:spLocks noGrp="1"/>
           </p:cNvSpPr>
@@ -486,13 +509,7 @@
       </p:sp>
       <p:sp>
         <p:nvSpPr>
-          <p:cNvPr id="6" name="Slide Number Placeholder 5">
-            <a:extLst>
-              <a:ext uri="{FF2B5EF4-FFF2-40B4-BE49-F238E27FC236}">
-                <a16:creationId xmlns:a16="http://schemas.microsoft.com/office/drawing/2014/main" id="{722D3683-4F87-DEEB-58CE-E23742D0E703}"/>
-              </a:ext>
-            </a:extLst>
-          </p:cNvPr>
+          <p:cNvPr id="6" name="Slide Number Placeholder 5"/>
           <p:cNvSpPr>
             <a:spLocks noGrp="1"/>
           </p:cNvSpPr>
@@ -516,7 +533,7 @@
     </p:spTree>
     <p:extLst>
       <p:ext uri="{BB962C8B-B14F-4D97-AF65-F5344CB8AC3E}">
-        <p14:creationId xmlns:p14="http://schemas.microsoft.com/office/powerpoint/2010/main" val="3066233294"/>
+        <p14:creationId xmlns:p14="http://schemas.microsoft.com/office/powerpoint/2010/main" val="276194285"/>
       </p:ext>
     </p:extLst>
   </p:cSld>
@@ -545,13 +562,7 @@
       </p:grpSpPr>
       <p:sp>
         <p:nvSpPr>
-          <p:cNvPr id="2" name="Vertical Title 1">
-            <a:extLst>
-              <a:ext uri="{FF2B5EF4-FFF2-40B4-BE49-F238E27FC236}">
-                <a16:creationId xmlns:a16="http://schemas.microsoft.com/office/drawing/2014/main" id="{F08781CA-FB99-E4A2-1093-B8F9157325B5}"/>
-              </a:ext>
-            </a:extLst>
-          </p:cNvPr>
+          <p:cNvPr id="2" name="Vertical Title 1"/>
           <p:cNvSpPr>
             <a:spLocks noGrp="1"/>
           </p:cNvSpPr>
@@ -573,18 +584,13 @@
               <a:rPr lang="en-US"/>
               <a:t>Click to edit Master title style</a:t>
             </a:r>
-          </a:p>
-        </p:txBody>
-      </p:sp>
-      <p:sp>
-        <p:nvSpPr>
-          <p:cNvPr id="3" name="Vertical Text Placeholder 2">
-            <a:extLst>
-              <a:ext uri="{FF2B5EF4-FFF2-40B4-BE49-F238E27FC236}">
-                <a16:creationId xmlns:a16="http://schemas.microsoft.com/office/drawing/2014/main" id="{17DC47F9-C4A5-E191-998A-F9ED681C958C}"/>
-              </a:ext>
-            </a:extLst>
-          </p:cNvPr>
+            <a:endParaRPr lang="en-US" dirty="0"/>
+          </a:p>
+        </p:txBody>
+      </p:sp>
+      <p:sp>
+        <p:nvSpPr>
+          <p:cNvPr id="3" name="Vertical Text Placeholder 2"/>
           <p:cNvSpPr>
             <a:spLocks noGrp="1"/>
           </p:cNvSpPr>
@@ -635,18 +641,13 @@
               <a:rPr lang="en-US"/>
               <a:t>Fifth level</a:t>
             </a:r>
-          </a:p>
-        </p:txBody>
-      </p:sp>
-      <p:sp>
-        <p:nvSpPr>
-          <p:cNvPr id="4" name="Date Placeholder 3">
-            <a:extLst>
-              <a:ext uri="{FF2B5EF4-FFF2-40B4-BE49-F238E27FC236}">
-                <a16:creationId xmlns:a16="http://schemas.microsoft.com/office/drawing/2014/main" id="{5190CF2A-4182-0241-8AE3-F0CDC0E2ED20}"/>
-              </a:ext>
-            </a:extLst>
-          </p:cNvPr>
+            <a:endParaRPr lang="en-US" dirty="0"/>
+          </a:p>
+        </p:txBody>
+      </p:sp>
+      <p:sp>
+        <p:nvSpPr>
+          <p:cNvPr id="4" name="Date Placeholder 3"/>
           <p:cNvSpPr>
             <a:spLocks noGrp="1"/>
           </p:cNvSpPr>
@@ -661,7 +662,7 @@
           <a:p>
             <a:fld id="{F6E044D1-5B3B-1B4A-A37D-02C823E29202}" type="datetimeFigureOut">
               <a:rPr lang="en-US" smtClean="0"/>
-              <a:t>2/12/24</a:t>
+              <a:t>5/7/24</a:t>
             </a:fld>
             <a:endParaRPr lang="en-US"/>
           </a:p>
@@ -669,13 +670,7 @@
       </p:sp>
       <p:sp>
         <p:nvSpPr>
-          <p:cNvPr id="5" name="Footer Placeholder 4">
-            <a:extLst>
-              <a:ext uri="{FF2B5EF4-FFF2-40B4-BE49-F238E27FC236}">
-                <a16:creationId xmlns:a16="http://schemas.microsoft.com/office/drawing/2014/main" id="{63F45100-6074-C266-BE62-FC27951C3BE8}"/>
-              </a:ext>
-            </a:extLst>
-          </p:cNvPr>
+          <p:cNvPr id="5" name="Footer Placeholder 4"/>
           <p:cNvSpPr>
             <a:spLocks noGrp="1"/>
           </p:cNvSpPr>
@@ -694,13 +689,7 @@
       </p:sp>
       <p:sp>
         <p:nvSpPr>
-          <p:cNvPr id="6" name="Slide Number Placeholder 5">
-            <a:extLst>
-              <a:ext uri="{FF2B5EF4-FFF2-40B4-BE49-F238E27FC236}">
-                <a16:creationId xmlns:a16="http://schemas.microsoft.com/office/drawing/2014/main" id="{72F6A209-936C-48CD-FF46-3B51C4FC65EC}"/>
-              </a:ext>
-            </a:extLst>
-          </p:cNvPr>
+          <p:cNvPr id="6" name="Slide Number Placeholder 5"/>
           <p:cNvSpPr>
             <a:spLocks noGrp="1"/>
           </p:cNvSpPr>
@@ -724,7 +713,7 @@
     </p:spTree>
     <p:extLst>
       <p:ext uri="{BB962C8B-B14F-4D97-AF65-F5344CB8AC3E}">
-        <p14:creationId xmlns:p14="http://schemas.microsoft.com/office/powerpoint/2010/main" val="3492504177"/>
+        <p14:creationId xmlns:p14="http://schemas.microsoft.com/office/powerpoint/2010/main" val="1989069823"/>
       </p:ext>
     </p:extLst>
   </p:cSld>
@@ -753,13 +742,7 @@
       </p:grpSpPr>
       <p:sp>
         <p:nvSpPr>
-          <p:cNvPr id="2" name="Title 1">
-            <a:extLst>
-              <a:ext uri="{FF2B5EF4-FFF2-40B4-BE49-F238E27FC236}">
-                <a16:creationId xmlns:a16="http://schemas.microsoft.com/office/drawing/2014/main" id="{DACDBD71-D3BB-2013-BC06-3C9C4A9BC53B}"/>
-              </a:ext>
-            </a:extLst>
-          </p:cNvPr>
+          <p:cNvPr id="2" name="Title 1"/>
           <p:cNvSpPr>
             <a:spLocks noGrp="1"/>
           </p:cNvSpPr>
@@ -776,18 +759,13 @@
               <a:rPr lang="en-US"/>
               <a:t>Click to edit Master title style</a:t>
             </a:r>
-          </a:p>
-        </p:txBody>
-      </p:sp>
-      <p:sp>
-        <p:nvSpPr>
-          <p:cNvPr id="3" name="Content Placeholder 2">
-            <a:extLst>
-              <a:ext uri="{FF2B5EF4-FFF2-40B4-BE49-F238E27FC236}">
-                <a16:creationId xmlns:a16="http://schemas.microsoft.com/office/drawing/2014/main" id="{D86D20E2-7D70-5050-19DC-63D83397C7D2}"/>
-              </a:ext>
-            </a:extLst>
-          </p:cNvPr>
+            <a:endParaRPr lang="en-US" dirty="0"/>
+          </a:p>
+        </p:txBody>
+      </p:sp>
+      <p:sp>
+        <p:nvSpPr>
+          <p:cNvPr id="3" name="Content Placeholder 2"/>
           <p:cNvSpPr>
             <a:spLocks noGrp="1"/>
           </p:cNvSpPr>
@@ -833,18 +811,13 @@
               <a:rPr lang="en-US"/>
               <a:t>Fifth level</a:t>
             </a:r>
-          </a:p>
-        </p:txBody>
-      </p:sp>
-      <p:sp>
-        <p:nvSpPr>
-          <p:cNvPr id="4" name="Date Placeholder 3">
-            <a:extLst>
-              <a:ext uri="{FF2B5EF4-FFF2-40B4-BE49-F238E27FC236}">
-                <a16:creationId xmlns:a16="http://schemas.microsoft.com/office/drawing/2014/main" id="{5EC566B2-F356-F66E-3D8D-8F44D21CD30C}"/>
-              </a:ext>
-            </a:extLst>
-          </p:cNvPr>
+            <a:endParaRPr lang="en-US" dirty="0"/>
+          </a:p>
+        </p:txBody>
+      </p:sp>
+      <p:sp>
+        <p:nvSpPr>
+          <p:cNvPr id="4" name="Date Placeholder 3"/>
           <p:cNvSpPr>
             <a:spLocks noGrp="1"/>
           </p:cNvSpPr>
@@ -859,7 +832,7 @@
           <a:p>
             <a:fld id="{F6E044D1-5B3B-1B4A-A37D-02C823E29202}" type="datetimeFigureOut">
               <a:rPr lang="en-US" smtClean="0"/>
-              <a:t>2/12/24</a:t>
+              <a:t>5/7/24</a:t>
             </a:fld>
             <a:endParaRPr lang="en-US"/>
           </a:p>
@@ -867,13 +840,7 @@
       </p:sp>
       <p:sp>
         <p:nvSpPr>
-          <p:cNvPr id="5" name="Footer Placeholder 4">
-            <a:extLst>
-              <a:ext uri="{FF2B5EF4-FFF2-40B4-BE49-F238E27FC236}">
-                <a16:creationId xmlns:a16="http://schemas.microsoft.com/office/drawing/2014/main" id="{7AB23A0F-3B40-C20D-80E8-8F7B08CF8902}"/>
-              </a:ext>
-            </a:extLst>
-          </p:cNvPr>
+          <p:cNvPr id="5" name="Footer Placeholder 4"/>
           <p:cNvSpPr>
             <a:spLocks noGrp="1"/>
           </p:cNvSpPr>
@@ -892,13 +859,7 @@
       </p:sp>
       <p:sp>
         <p:nvSpPr>
-          <p:cNvPr id="6" name="Slide Number Placeholder 5">
-            <a:extLst>
-              <a:ext uri="{FF2B5EF4-FFF2-40B4-BE49-F238E27FC236}">
-                <a16:creationId xmlns:a16="http://schemas.microsoft.com/office/drawing/2014/main" id="{DA731C6B-BC75-FC5E-94CA-644942A88148}"/>
-              </a:ext>
-            </a:extLst>
-          </p:cNvPr>
+          <p:cNvPr id="6" name="Slide Number Placeholder 5"/>
           <p:cNvSpPr>
             <a:spLocks noGrp="1"/>
           </p:cNvSpPr>
@@ -922,7 +883,7 @@
     </p:spTree>
     <p:extLst>
       <p:ext uri="{BB962C8B-B14F-4D97-AF65-F5344CB8AC3E}">
-        <p14:creationId xmlns:p14="http://schemas.microsoft.com/office/powerpoint/2010/main" val="3934147663"/>
+        <p14:creationId xmlns:p14="http://schemas.microsoft.com/office/powerpoint/2010/main" val="2774989807"/>
       </p:ext>
     </p:extLst>
   </p:cSld>
@@ -951,13 +912,7 @@
       </p:grpSpPr>
       <p:sp>
         <p:nvSpPr>
-          <p:cNvPr id="2" name="Title 1">
-            <a:extLst>
-              <a:ext uri="{FF2B5EF4-FFF2-40B4-BE49-F238E27FC236}">
-                <a16:creationId xmlns:a16="http://schemas.microsoft.com/office/drawing/2014/main" id="{9ABEB1CB-353D-96FE-4E09-3C74F4FA98F1}"/>
-              </a:ext>
-            </a:extLst>
-          </p:cNvPr>
+          <p:cNvPr id="2" name="Title 1"/>
           <p:cNvSpPr>
             <a:spLocks noGrp="1"/>
           </p:cNvSpPr>
@@ -983,18 +938,13 @@
               <a:rPr lang="en-US"/>
               <a:t>Click to edit Master title style</a:t>
             </a:r>
-          </a:p>
-        </p:txBody>
-      </p:sp>
-      <p:sp>
-        <p:nvSpPr>
-          <p:cNvPr id="3" name="Text Placeholder 2">
-            <a:extLst>
-              <a:ext uri="{FF2B5EF4-FFF2-40B4-BE49-F238E27FC236}">
-                <a16:creationId xmlns:a16="http://schemas.microsoft.com/office/drawing/2014/main" id="{7EEC690A-8171-10D1-B3CB-BEA5D6F9A118}"/>
-              </a:ext>
-            </a:extLst>
-          </p:cNvPr>
+            <a:endParaRPr lang="en-US" dirty="0"/>
+          </a:p>
+        </p:txBody>
+      </p:sp>
+      <p:sp>
+        <p:nvSpPr>
+          <p:cNvPr id="3" name="Text Placeholder 2"/>
           <p:cNvSpPr>
             <a:spLocks noGrp="1"/>
           </p:cNvSpPr>
@@ -1113,13 +1063,7 @@
       </p:sp>
       <p:sp>
         <p:nvSpPr>
-          <p:cNvPr id="4" name="Date Placeholder 3">
-            <a:extLst>
-              <a:ext uri="{FF2B5EF4-FFF2-40B4-BE49-F238E27FC236}">
-                <a16:creationId xmlns:a16="http://schemas.microsoft.com/office/drawing/2014/main" id="{BB7D1442-28FC-6AAE-7706-832584402D6B}"/>
-              </a:ext>
-            </a:extLst>
-          </p:cNvPr>
+          <p:cNvPr id="4" name="Date Placeholder 3"/>
           <p:cNvSpPr>
             <a:spLocks noGrp="1"/>
           </p:cNvSpPr>
@@ -1134,7 +1078,7 @@
           <a:p>
             <a:fld id="{F6E044D1-5B3B-1B4A-A37D-02C823E29202}" type="datetimeFigureOut">
               <a:rPr lang="en-US" smtClean="0"/>
-              <a:t>2/12/24</a:t>
+              <a:t>5/7/24</a:t>
             </a:fld>
             <a:endParaRPr lang="en-US"/>
           </a:p>
@@ -1142,13 +1086,7 @@
       </p:sp>
       <p:sp>
         <p:nvSpPr>
-          <p:cNvPr id="5" name="Footer Placeholder 4">
-            <a:extLst>
-              <a:ext uri="{FF2B5EF4-FFF2-40B4-BE49-F238E27FC236}">
-                <a16:creationId xmlns:a16="http://schemas.microsoft.com/office/drawing/2014/main" id="{AA7B4622-0F6A-4BE3-1323-CBBD85B8A9AF}"/>
-              </a:ext>
-            </a:extLst>
-          </p:cNvPr>
+          <p:cNvPr id="5" name="Footer Placeholder 4"/>
           <p:cNvSpPr>
             <a:spLocks noGrp="1"/>
           </p:cNvSpPr>
@@ -1167,13 +1105,7 @@
       </p:sp>
       <p:sp>
         <p:nvSpPr>
-          <p:cNvPr id="6" name="Slide Number Placeholder 5">
-            <a:extLst>
-              <a:ext uri="{FF2B5EF4-FFF2-40B4-BE49-F238E27FC236}">
-                <a16:creationId xmlns:a16="http://schemas.microsoft.com/office/drawing/2014/main" id="{CFEC70FD-CCA2-B47C-1C6A-A3EB45A83CA6}"/>
-              </a:ext>
-            </a:extLst>
-          </p:cNvPr>
+          <p:cNvPr id="6" name="Slide Number Placeholder 5"/>
           <p:cNvSpPr>
             <a:spLocks noGrp="1"/>
           </p:cNvSpPr>
@@ -1197,7 +1129,7 @@
     </p:spTree>
     <p:extLst>
       <p:ext uri="{BB962C8B-B14F-4D97-AF65-F5344CB8AC3E}">
-        <p14:creationId xmlns:p14="http://schemas.microsoft.com/office/powerpoint/2010/main" val="298934389"/>
+        <p14:creationId xmlns:p14="http://schemas.microsoft.com/office/powerpoint/2010/main" val="4022978830"/>
       </p:ext>
     </p:extLst>
   </p:cSld>
@@ -1226,13 +1158,7 @@
       </p:grpSpPr>
       <p:sp>
         <p:nvSpPr>
-          <p:cNvPr id="2" name="Title 1">
-            <a:extLst>
-              <a:ext uri="{FF2B5EF4-FFF2-40B4-BE49-F238E27FC236}">
-                <a16:creationId xmlns:a16="http://schemas.microsoft.com/office/drawing/2014/main" id="{98F93948-0CF5-97B4-03F8-76D986CD4532}"/>
-              </a:ext>
-            </a:extLst>
-          </p:cNvPr>
+          <p:cNvPr id="2" name="Title 1"/>
           <p:cNvSpPr>
             <a:spLocks noGrp="1"/>
           </p:cNvSpPr>
@@ -1249,18 +1175,13 @@
               <a:rPr lang="en-US"/>
               <a:t>Click to edit Master title style</a:t>
             </a:r>
-          </a:p>
-        </p:txBody>
-      </p:sp>
-      <p:sp>
-        <p:nvSpPr>
-          <p:cNvPr id="3" name="Content Placeholder 2">
-            <a:extLst>
-              <a:ext uri="{FF2B5EF4-FFF2-40B4-BE49-F238E27FC236}">
-                <a16:creationId xmlns:a16="http://schemas.microsoft.com/office/drawing/2014/main" id="{E42C25D6-6045-2BE3-164E-41BCB63038FE}"/>
-              </a:ext>
-            </a:extLst>
-          </p:cNvPr>
+            <a:endParaRPr lang="en-US" dirty="0"/>
+          </a:p>
+        </p:txBody>
+      </p:sp>
+      <p:sp>
+        <p:nvSpPr>
+          <p:cNvPr id="3" name="Content Placeholder 2"/>
           <p:cNvSpPr>
             <a:spLocks noGrp="1"/>
           </p:cNvSpPr>
@@ -1311,18 +1232,13 @@
               <a:rPr lang="en-US"/>
               <a:t>Fifth level</a:t>
             </a:r>
-          </a:p>
-        </p:txBody>
-      </p:sp>
-      <p:sp>
-        <p:nvSpPr>
-          <p:cNvPr id="4" name="Content Placeholder 3">
-            <a:extLst>
-              <a:ext uri="{FF2B5EF4-FFF2-40B4-BE49-F238E27FC236}">
-                <a16:creationId xmlns:a16="http://schemas.microsoft.com/office/drawing/2014/main" id="{D82BF86E-8870-A942-4EB6-EC5492B9831D}"/>
-              </a:ext>
-            </a:extLst>
-          </p:cNvPr>
+            <a:endParaRPr lang="en-US" dirty="0"/>
+          </a:p>
+        </p:txBody>
+      </p:sp>
+      <p:sp>
+        <p:nvSpPr>
+          <p:cNvPr id="4" name="Content Placeholder 3"/>
           <p:cNvSpPr>
             <a:spLocks noGrp="1"/>
           </p:cNvSpPr>
@@ -1373,18 +1289,13 @@
               <a:rPr lang="en-US"/>
               <a:t>Fifth level</a:t>
             </a:r>
-          </a:p>
-        </p:txBody>
-      </p:sp>
-      <p:sp>
-        <p:nvSpPr>
-          <p:cNvPr id="5" name="Date Placeholder 4">
-            <a:extLst>
-              <a:ext uri="{FF2B5EF4-FFF2-40B4-BE49-F238E27FC236}">
-                <a16:creationId xmlns:a16="http://schemas.microsoft.com/office/drawing/2014/main" id="{B24E2D9A-1B2E-9FE8-96C8-FBE82E730326}"/>
-              </a:ext>
-            </a:extLst>
-          </p:cNvPr>
+            <a:endParaRPr lang="en-US" dirty="0"/>
+          </a:p>
+        </p:txBody>
+      </p:sp>
+      <p:sp>
+        <p:nvSpPr>
+          <p:cNvPr id="5" name="Date Placeholder 4"/>
           <p:cNvSpPr>
             <a:spLocks noGrp="1"/>
           </p:cNvSpPr>
@@ -1399,7 +1310,7 @@
           <a:p>
             <a:fld id="{F6E044D1-5B3B-1B4A-A37D-02C823E29202}" type="datetimeFigureOut">
               <a:rPr lang="en-US" smtClean="0"/>
-              <a:t>2/12/24</a:t>
+              <a:t>5/7/24</a:t>
             </a:fld>
             <a:endParaRPr lang="en-US"/>
           </a:p>
@@ -1407,13 +1318,7 @@
       </p:sp>
       <p:sp>
         <p:nvSpPr>
-          <p:cNvPr id="6" name="Footer Placeholder 5">
-            <a:extLst>
-              <a:ext uri="{FF2B5EF4-FFF2-40B4-BE49-F238E27FC236}">
-                <a16:creationId xmlns:a16="http://schemas.microsoft.com/office/drawing/2014/main" id="{EDCA7B1E-D6FE-80D6-581D-9347A2270064}"/>
-              </a:ext>
-            </a:extLst>
-          </p:cNvPr>
+          <p:cNvPr id="6" name="Footer Placeholder 5"/>
           <p:cNvSpPr>
             <a:spLocks noGrp="1"/>
           </p:cNvSpPr>
@@ -1432,13 +1337,7 @@
       </p:sp>
       <p:sp>
         <p:nvSpPr>
-          <p:cNvPr id="7" name="Slide Number Placeholder 6">
-            <a:extLst>
-              <a:ext uri="{FF2B5EF4-FFF2-40B4-BE49-F238E27FC236}">
-                <a16:creationId xmlns:a16="http://schemas.microsoft.com/office/drawing/2014/main" id="{EA8E6341-AD68-797E-C126-472177446EBC}"/>
-              </a:ext>
-            </a:extLst>
-          </p:cNvPr>
+          <p:cNvPr id="7" name="Slide Number Placeholder 6"/>
           <p:cNvSpPr>
             <a:spLocks noGrp="1"/>
           </p:cNvSpPr>
@@ -1462,7 +1361,7 @@
     </p:spTree>
     <p:extLst>
       <p:ext uri="{BB962C8B-B14F-4D97-AF65-F5344CB8AC3E}">
-        <p14:creationId xmlns:p14="http://schemas.microsoft.com/office/powerpoint/2010/main" val="1728793167"/>
+        <p14:creationId xmlns:p14="http://schemas.microsoft.com/office/powerpoint/2010/main" val="2307226269"/>
       </p:ext>
     </p:extLst>
   </p:cSld>
@@ -1491,13 +1390,7 @@
       </p:grpSpPr>
       <p:sp>
         <p:nvSpPr>
-          <p:cNvPr id="2" name="Title 1">
-            <a:extLst>
-              <a:ext uri="{FF2B5EF4-FFF2-40B4-BE49-F238E27FC236}">
-                <a16:creationId xmlns:a16="http://schemas.microsoft.com/office/drawing/2014/main" id="{1BBC4FFA-076E-06B5-FAB4-82F26F64A81E}"/>
-              </a:ext>
-            </a:extLst>
-          </p:cNvPr>
+          <p:cNvPr id="2" name="Title 1"/>
           <p:cNvSpPr>
             <a:spLocks noGrp="1"/>
           </p:cNvSpPr>
@@ -1519,18 +1412,13 @@
               <a:rPr lang="en-US"/>
               <a:t>Click to edit Master title style</a:t>
             </a:r>
-          </a:p>
-        </p:txBody>
-      </p:sp>
-      <p:sp>
-        <p:nvSpPr>
-          <p:cNvPr id="3" name="Text Placeholder 2">
-            <a:extLst>
-              <a:ext uri="{FF2B5EF4-FFF2-40B4-BE49-F238E27FC236}">
-                <a16:creationId xmlns:a16="http://schemas.microsoft.com/office/drawing/2014/main" id="{733172CD-BC90-6D0D-BEF9-74576D721297}"/>
-              </a:ext>
-            </a:extLst>
-          </p:cNvPr>
+            <a:endParaRPr lang="en-US" dirty="0"/>
+          </a:p>
+        </p:txBody>
+      </p:sp>
+      <p:sp>
+        <p:nvSpPr>
+          <p:cNvPr id="3" name="Text Placeholder 2"/>
           <p:cNvSpPr>
             <a:spLocks noGrp="1"/>
           </p:cNvSpPr>
@@ -1595,13 +1483,7 @@
       </p:sp>
       <p:sp>
         <p:nvSpPr>
-          <p:cNvPr id="4" name="Content Placeholder 3">
-            <a:extLst>
-              <a:ext uri="{FF2B5EF4-FFF2-40B4-BE49-F238E27FC236}">
-                <a16:creationId xmlns:a16="http://schemas.microsoft.com/office/drawing/2014/main" id="{6561F11F-1A96-2EAE-41F3-4B6339E5A916}"/>
-              </a:ext>
-            </a:extLst>
-          </p:cNvPr>
+          <p:cNvPr id="4" name="Content Placeholder 3"/>
           <p:cNvSpPr>
             <a:spLocks noGrp="1"/>
           </p:cNvSpPr>
@@ -1652,18 +1534,13 @@
               <a:rPr lang="en-US"/>
               <a:t>Fifth level</a:t>
             </a:r>
-          </a:p>
-        </p:txBody>
-      </p:sp>
-      <p:sp>
-        <p:nvSpPr>
-          <p:cNvPr id="5" name="Text Placeholder 4">
-            <a:extLst>
-              <a:ext uri="{FF2B5EF4-FFF2-40B4-BE49-F238E27FC236}">
-                <a16:creationId xmlns:a16="http://schemas.microsoft.com/office/drawing/2014/main" id="{1570950D-D88C-EE23-F38C-8E529A46B33D}"/>
-              </a:ext>
-            </a:extLst>
-          </p:cNvPr>
+            <a:endParaRPr lang="en-US" dirty="0"/>
+          </a:p>
+        </p:txBody>
+      </p:sp>
+      <p:sp>
+        <p:nvSpPr>
+          <p:cNvPr id="5" name="Text Placeholder 4"/>
           <p:cNvSpPr>
             <a:spLocks noGrp="1"/>
           </p:cNvSpPr>
@@ -1728,13 +1605,7 @@
       </p:sp>
       <p:sp>
         <p:nvSpPr>
-          <p:cNvPr id="6" name="Content Placeholder 5">
-            <a:extLst>
-              <a:ext uri="{FF2B5EF4-FFF2-40B4-BE49-F238E27FC236}">
-                <a16:creationId xmlns:a16="http://schemas.microsoft.com/office/drawing/2014/main" id="{53D1B21A-C8CC-0FCD-555E-36F7C35DBA55}"/>
-              </a:ext>
-            </a:extLst>
-          </p:cNvPr>
+          <p:cNvPr id="6" name="Content Placeholder 5"/>
           <p:cNvSpPr>
             <a:spLocks noGrp="1"/>
           </p:cNvSpPr>
@@ -1785,18 +1656,13 @@
               <a:rPr lang="en-US"/>
               <a:t>Fifth level</a:t>
             </a:r>
-          </a:p>
-        </p:txBody>
-      </p:sp>
-      <p:sp>
-        <p:nvSpPr>
-          <p:cNvPr id="7" name="Date Placeholder 6">
-            <a:extLst>
-              <a:ext uri="{FF2B5EF4-FFF2-40B4-BE49-F238E27FC236}">
-                <a16:creationId xmlns:a16="http://schemas.microsoft.com/office/drawing/2014/main" id="{FF7FF7E4-D8D4-276C-1357-05F2BB69E416}"/>
-              </a:ext>
-            </a:extLst>
-          </p:cNvPr>
+            <a:endParaRPr lang="en-US" dirty="0"/>
+          </a:p>
+        </p:txBody>
+      </p:sp>
+      <p:sp>
+        <p:nvSpPr>
+          <p:cNvPr id="7" name="Date Placeholder 6"/>
           <p:cNvSpPr>
             <a:spLocks noGrp="1"/>
           </p:cNvSpPr>
@@ -1811,7 +1677,7 @@
           <a:p>
             <a:fld id="{F6E044D1-5B3B-1B4A-A37D-02C823E29202}" type="datetimeFigureOut">
               <a:rPr lang="en-US" smtClean="0"/>
-              <a:t>2/12/24</a:t>
+              <a:t>5/7/24</a:t>
             </a:fld>
             <a:endParaRPr lang="en-US"/>
           </a:p>
@@ -1819,13 +1685,7 @@
       </p:sp>
       <p:sp>
         <p:nvSpPr>
-          <p:cNvPr id="8" name="Footer Placeholder 7">
-            <a:extLst>
-              <a:ext uri="{FF2B5EF4-FFF2-40B4-BE49-F238E27FC236}">
-                <a16:creationId xmlns:a16="http://schemas.microsoft.com/office/drawing/2014/main" id="{DB5793EA-9F4F-6F49-E4FC-D82104940113}"/>
-              </a:ext>
-            </a:extLst>
-          </p:cNvPr>
+          <p:cNvPr id="8" name="Footer Placeholder 7"/>
           <p:cNvSpPr>
             <a:spLocks noGrp="1"/>
           </p:cNvSpPr>
@@ -1844,13 +1704,7 @@
       </p:sp>
       <p:sp>
         <p:nvSpPr>
-          <p:cNvPr id="9" name="Slide Number Placeholder 8">
-            <a:extLst>
-              <a:ext uri="{FF2B5EF4-FFF2-40B4-BE49-F238E27FC236}">
-                <a16:creationId xmlns:a16="http://schemas.microsoft.com/office/drawing/2014/main" id="{7F222400-EAC9-332C-5236-24EA299D309A}"/>
-              </a:ext>
-            </a:extLst>
-          </p:cNvPr>
+          <p:cNvPr id="9" name="Slide Number Placeholder 8"/>
           <p:cNvSpPr>
             <a:spLocks noGrp="1"/>
           </p:cNvSpPr>
@@ -1874,7 +1728,7 @@
     </p:spTree>
     <p:extLst>
       <p:ext uri="{BB962C8B-B14F-4D97-AF65-F5344CB8AC3E}">
-        <p14:creationId xmlns:p14="http://schemas.microsoft.com/office/powerpoint/2010/main" val="2482426323"/>
+        <p14:creationId xmlns:p14="http://schemas.microsoft.com/office/powerpoint/2010/main" val="1896309351"/>
       </p:ext>
     </p:extLst>
   </p:cSld>
@@ -1903,13 +1757,7 @@
       </p:grpSpPr>
       <p:sp>
         <p:nvSpPr>
-          <p:cNvPr id="2" name="Title 1">
-            <a:extLst>
-              <a:ext uri="{FF2B5EF4-FFF2-40B4-BE49-F238E27FC236}">
-                <a16:creationId xmlns:a16="http://schemas.microsoft.com/office/drawing/2014/main" id="{1DD8877E-029B-7868-D1D5-72DF4E5921E4}"/>
-              </a:ext>
-            </a:extLst>
-          </p:cNvPr>
+          <p:cNvPr id="2" name="Title 1"/>
           <p:cNvSpPr>
             <a:spLocks noGrp="1"/>
           </p:cNvSpPr>
@@ -1926,18 +1774,13 @@
               <a:rPr lang="en-US"/>
               <a:t>Click to edit Master title style</a:t>
             </a:r>
-          </a:p>
-        </p:txBody>
-      </p:sp>
-      <p:sp>
-        <p:nvSpPr>
-          <p:cNvPr id="3" name="Date Placeholder 2">
-            <a:extLst>
-              <a:ext uri="{FF2B5EF4-FFF2-40B4-BE49-F238E27FC236}">
-                <a16:creationId xmlns:a16="http://schemas.microsoft.com/office/drawing/2014/main" id="{089D9393-84E8-2AE6-A1FB-61FC70CEA7A6}"/>
-              </a:ext>
-            </a:extLst>
-          </p:cNvPr>
+            <a:endParaRPr lang="en-US" dirty="0"/>
+          </a:p>
+        </p:txBody>
+      </p:sp>
+      <p:sp>
+        <p:nvSpPr>
+          <p:cNvPr id="3" name="Date Placeholder 2"/>
           <p:cNvSpPr>
             <a:spLocks noGrp="1"/>
           </p:cNvSpPr>
@@ -1952,7 +1795,7 @@
           <a:p>
             <a:fld id="{F6E044D1-5B3B-1B4A-A37D-02C823E29202}" type="datetimeFigureOut">
               <a:rPr lang="en-US" smtClean="0"/>
-              <a:t>2/12/24</a:t>
+              <a:t>5/7/24</a:t>
             </a:fld>
             <a:endParaRPr lang="en-US"/>
           </a:p>
@@ -1960,13 +1803,7 @@
       </p:sp>
       <p:sp>
         <p:nvSpPr>
-          <p:cNvPr id="4" name="Footer Placeholder 3">
-            <a:extLst>
-              <a:ext uri="{FF2B5EF4-FFF2-40B4-BE49-F238E27FC236}">
-                <a16:creationId xmlns:a16="http://schemas.microsoft.com/office/drawing/2014/main" id="{60D260B5-08EF-65BC-83AB-FB568CA4579D}"/>
-              </a:ext>
-            </a:extLst>
-          </p:cNvPr>
+          <p:cNvPr id="4" name="Footer Placeholder 3"/>
           <p:cNvSpPr>
             <a:spLocks noGrp="1"/>
           </p:cNvSpPr>
@@ -1985,13 +1822,7 @@
       </p:sp>
       <p:sp>
         <p:nvSpPr>
-          <p:cNvPr id="5" name="Slide Number Placeholder 4">
-            <a:extLst>
-              <a:ext uri="{FF2B5EF4-FFF2-40B4-BE49-F238E27FC236}">
-                <a16:creationId xmlns:a16="http://schemas.microsoft.com/office/drawing/2014/main" id="{DEBF445E-881D-FA9A-5212-255CF29D03AC}"/>
-              </a:ext>
-            </a:extLst>
-          </p:cNvPr>
+          <p:cNvPr id="5" name="Slide Number Placeholder 4"/>
           <p:cNvSpPr>
             <a:spLocks noGrp="1"/>
           </p:cNvSpPr>
@@ -2015,7 +1846,7 @@
     </p:spTree>
     <p:extLst>
       <p:ext uri="{BB962C8B-B14F-4D97-AF65-F5344CB8AC3E}">
-        <p14:creationId xmlns:p14="http://schemas.microsoft.com/office/powerpoint/2010/main" val="4293401690"/>
+        <p14:creationId xmlns:p14="http://schemas.microsoft.com/office/powerpoint/2010/main" val="3397006807"/>
       </p:ext>
     </p:extLst>
   </p:cSld>
@@ -2044,13 +1875,7 @@
       </p:grpSpPr>
       <p:sp>
         <p:nvSpPr>
-          <p:cNvPr id="2" name="Date Placeholder 1">
-            <a:extLst>
-              <a:ext uri="{FF2B5EF4-FFF2-40B4-BE49-F238E27FC236}">
-                <a16:creationId xmlns:a16="http://schemas.microsoft.com/office/drawing/2014/main" id="{1138AB3A-44E1-FE3F-9CA8-FBB0A41904C9}"/>
-              </a:ext>
-            </a:extLst>
-          </p:cNvPr>
+          <p:cNvPr id="2" name="Date Placeholder 1"/>
           <p:cNvSpPr>
             <a:spLocks noGrp="1"/>
           </p:cNvSpPr>
@@ -2065,7 +1890,7 @@
           <a:p>
             <a:fld id="{F6E044D1-5B3B-1B4A-A37D-02C823E29202}" type="datetimeFigureOut">
               <a:rPr lang="en-US" smtClean="0"/>
-              <a:t>2/12/24</a:t>
+              <a:t>5/7/24</a:t>
             </a:fld>
             <a:endParaRPr lang="en-US"/>
           </a:p>
@@ -2073,13 +1898,7 @@
       </p:sp>
       <p:sp>
         <p:nvSpPr>
-          <p:cNvPr id="3" name="Footer Placeholder 2">
-            <a:extLst>
-              <a:ext uri="{FF2B5EF4-FFF2-40B4-BE49-F238E27FC236}">
-                <a16:creationId xmlns:a16="http://schemas.microsoft.com/office/drawing/2014/main" id="{6EAFA665-3C26-B495-6D1D-F641CACFF906}"/>
-              </a:ext>
-            </a:extLst>
-          </p:cNvPr>
+          <p:cNvPr id="3" name="Footer Placeholder 2"/>
           <p:cNvSpPr>
             <a:spLocks noGrp="1"/>
           </p:cNvSpPr>
@@ -2098,13 +1917,7 @@
       </p:sp>
       <p:sp>
         <p:nvSpPr>
-          <p:cNvPr id="4" name="Slide Number Placeholder 3">
-            <a:extLst>
-              <a:ext uri="{FF2B5EF4-FFF2-40B4-BE49-F238E27FC236}">
-                <a16:creationId xmlns:a16="http://schemas.microsoft.com/office/drawing/2014/main" id="{5D2A84FA-D090-D974-1484-ECD33A1F71C6}"/>
-              </a:ext>
-            </a:extLst>
-          </p:cNvPr>
+          <p:cNvPr id="4" name="Slide Number Placeholder 3"/>
           <p:cNvSpPr>
             <a:spLocks noGrp="1"/>
           </p:cNvSpPr>
@@ -2128,7 +1941,7 @@
     </p:spTree>
     <p:extLst>
       <p:ext uri="{BB962C8B-B14F-4D97-AF65-F5344CB8AC3E}">
-        <p14:creationId xmlns:p14="http://schemas.microsoft.com/office/powerpoint/2010/main" val="3576440152"/>
+        <p14:creationId xmlns:p14="http://schemas.microsoft.com/office/powerpoint/2010/main" val="2617507471"/>
       </p:ext>
     </p:extLst>
   </p:cSld>
@@ -2157,13 +1970,7 @@
       </p:grpSpPr>
       <p:sp>
         <p:nvSpPr>
-          <p:cNvPr id="2" name="Title 1">
-            <a:extLst>
-              <a:ext uri="{FF2B5EF4-FFF2-40B4-BE49-F238E27FC236}">
-                <a16:creationId xmlns:a16="http://schemas.microsoft.com/office/drawing/2014/main" id="{6FAFA0AE-177E-7AC5-0875-BD1AB5F18BB2}"/>
-              </a:ext>
-            </a:extLst>
-          </p:cNvPr>
+          <p:cNvPr id="2" name="Title 1"/>
           <p:cNvSpPr>
             <a:spLocks noGrp="1"/>
           </p:cNvSpPr>
@@ -2189,18 +1996,13 @@
               <a:rPr lang="en-US"/>
               <a:t>Click to edit Master title style</a:t>
             </a:r>
-          </a:p>
-        </p:txBody>
-      </p:sp>
-      <p:sp>
-        <p:nvSpPr>
-          <p:cNvPr id="3" name="Content Placeholder 2">
-            <a:extLst>
-              <a:ext uri="{FF2B5EF4-FFF2-40B4-BE49-F238E27FC236}">
-                <a16:creationId xmlns:a16="http://schemas.microsoft.com/office/drawing/2014/main" id="{A55645D4-65AB-E71D-1218-0757D7B68DA4}"/>
-              </a:ext>
-            </a:extLst>
-          </p:cNvPr>
+            <a:endParaRPr lang="en-US" dirty="0"/>
+          </a:p>
+        </p:txBody>
+      </p:sp>
+      <p:sp>
+        <p:nvSpPr>
+          <p:cNvPr id="3" name="Content Placeholder 2"/>
           <p:cNvSpPr>
             <a:spLocks noGrp="1"/>
           </p:cNvSpPr>
@@ -2279,18 +2081,13 @@
               <a:rPr lang="en-US"/>
               <a:t>Fifth level</a:t>
             </a:r>
-          </a:p>
-        </p:txBody>
-      </p:sp>
-      <p:sp>
-        <p:nvSpPr>
-          <p:cNvPr id="4" name="Text Placeholder 3">
-            <a:extLst>
-              <a:ext uri="{FF2B5EF4-FFF2-40B4-BE49-F238E27FC236}">
-                <a16:creationId xmlns:a16="http://schemas.microsoft.com/office/drawing/2014/main" id="{BFDA9677-76D4-93A1-F193-64EEC3E27420}"/>
-              </a:ext>
-            </a:extLst>
-          </p:cNvPr>
+            <a:endParaRPr lang="en-US" dirty="0"/>
+          </a:p>
+        </p:txBody>
+      </p:sp>
+      <p:sp>
+        <p:nvSpPr>
+          <p:cNvPr id="4" name="Text Placeholder 3"/>
           <p:cNvSpPr>
             <a:spLocks noGrp="1"/>
           </p:cNvSpPr>
@@ -2355,13 +2152,7 @@
       </p:sp>
       <p:sp>
         <p:nvSpPr>
-          <p:cNvPr id="5" name="Date Placeholder 4">
-            <a:extLst>
-              <a:ext uri="{FF2B5EF4-FFF2-40B4-BE49-F238E27FC236}">
-                <a16:creationId xmlns:a16="http://schemas.microsoft.com/office/drawing/2014/main" id="{D726E0B5-CF48-61B9-4B4A-123A7D8622E8}"/>
-              </a:ext>
-            </a:extLst>
-          </p:cNvPr>
+          <p:cNvPr id="5" name="Date Placeholder 4"/>
           <p:cNvSpPr>
             <a:spLocks noGrp="1"/>
           </p:cNvSpPr>
@@ -2376,7 +2167,7 @@
           <a:p>
             <a:fld id="{F6E044D1-5B3B-1B4A-A37D-02C823E29202}" type="datetimeFigureOut">
               <a:rPr lang="en-US" smtClean="0"/>
-              <a:t>2/12/24</a:t>
+              <a:t>5/7/24</a:t>
             </a:fld>
             <a:endParaRPr lang="en-US"/>
           </a:p>
@@ -2384,13 +2175,7 @@
       </p:sp>
       <p:sp>
         <p:nvSpPr>
-          <p:cNvPr id="6" name="Footer Placeholder 5">
-            <a:extLst>
-              <a:ext uri="{FF2B5EF4-FFF2-40B4-BE49-F238E27FC236}">
-                <a16:creationId xmlns:a16="http://schemas.microsoft.com/office/drawing/2014/main" id="{97CE932E-CA96-893D-35FD-1EC24AB6C745}"/>
-              </a:ext>
-            </a:extLst>
-          </p:cNvPr>
+          <p:cNvPr id="6" name="Footer Placeholder 5"/>
           <p:cNvSpPr>
             <a:spLocks noGrp="1"/>
           </p:cNvSpPr>
@@ -2409,13 +2194,7 @@
       </p:sp>
       <p:sp>
         <p:nvSpPr>
-          <p:cNvPr id="7" name="Slide Number Placeholder 6">
-            <a:extLst>
-              <a:ext uri="{FF2B5EF4-FFF2-40B4-BE49-F238E27FC236}">
-                <a16:creationId xmlns:a16="http://schemas.microsoft.com/office/drawing/2014/main" id="{C41A6B91-CF7E-D2D9-F7DB-CB3E0796434F}"/>
-              </a:ext>
-            </a:extLst>
-          </p:cNvPr>
+          <p:cNvPr id="7" name="Slide Number Placeholder 6"/>
           <p:cNvSpPr>
             <a:spLocks noGrp="1"/>
           </p:cNvSpPr>
@@ -2439,7 +2218,7 @@
     </p:spTree>
     <p:extLst>
       <p:ext uri="{BB962C8B-B14F-4D97-AF65-F5344CB8AC3E}">
-        <p14:creationId xmlns:p14="http://schemas.microsoft.com/office/powerpoint/2010/main" val="64121600"/>
+        <p14:creationId xmlns:p14="http://schemas.microsoft.com/office/powerpoint/2010/main" val="2144541012"/>
       </p:ext>
     </p:extLst>
   </p:cSld>
@@ -2468,13 +2247,7 @@
       </p:grpSpPr>
       <p:sp>
         <p:nvSpPr>
-          <p:cNvPr id="2" name="Title 1">
-            <a:extLst>
-              <a:ext uri="{FF2B5EF4-FFF2-40B4-BE49-F238E27FC236}">
-                <a16:creationId xmlns:a16="http://schemas.microsoft.com/office/drawing/2014/main" id="{5883ACF3-E7A0-2090-99E9-4ACD7FBEC8DB}"/>
-              </a:ext>
-            </a:extLst>
-          </p:cNvPr>
+          <p:cNvPr id="2" name="Title 1"/>
           <p:cNvSpPr>
             <a:spLocks noGrp="1"/>
           </p:cNvSpPr>
@@ -2500,20 +2273,15 @@
               <a:rPr lang="en-US"/>
               <a:t>Click to edit Master title style</a:t>
             </a:r>
-          </a:p>
-        </p:txBody>
-      </p:sp>
-      <p:sp>
-        <p:nvSpPr>
-          <p:cNvPr id="3" name="Picture Placeholder 2">
-            <a:extLst>
-              <a:ext uri="{FF2B5EF4-FFF2-40B4-BE49-F238E27FC236}">
-                <a16:creationId xmlns:a16="http://schemas.microsoft.com/office/drawing/2014/main" id="{2E6F26EE-AB5D-2217-4D2D-2B6DAAC4C3BE}"/>
-              </a:ext>
-            </a:extLst>
-          </p:cNvPr>
-          <p:cNvSpPr>
-            <a:spLocks noGrp="1"/>
+            <a:endParaRPr lang="en-US" dirty="0"/>
+          </a:p>
+        </p:txBody>
+      </p:sp>
+      <p:sp>
+        <p:nvSpPr>
+          <p:cNvPr id="3" name="Picture Placeholder 2"/>
+          <p:cNvSpPr>
+            <a:spLocks noGrp="1" noChangeAspect="1"/>
           </p:cNvSpPr>
           <p:nvPr>
             <p:ph type="pic" idx="1"/>
@@ -2526,7 +2294,7 @@
           </a:xfrm>
         </p:spPr>
         <p:txBody>
-          <a:bodyPr/>
+          <a:bodyPr anchor="t"/>
           <a:lstStyle>
             <a:lvl1pPr marL="0" indent="0">
               <a:buNone/>
@@ -2566,19 +2334,17 @@
             </a:lvl9pPr>
           </a:lstStyle>
           <a:p>
-            <a:endParaRPr lang="en-US"/>
-          </a:p>
-        </p:txBody>
-      </p:sp>
-      <p:sp>
-        <p:nvSpPr>
-          <p:cNvPr id="4" name="Text Placeholder 3">
-            <a:extLst>
-              <a:ext uri="{FF2B5EF4-FFF2-40B4-BE49-F238E27FC236}">
-                <a16:creationId xmlns:a16="http://schemas.microsoft.com/office/drawing/2014/main" id="{6AD595AD-FC46-D4B2-010E-C323476B7F1B}"/>
-              </a:ext>
-            </a:extLst>
-          </p:cNvPr>
+            <a:r>
+              <a:rPr lang="en-US"/>
+              <a:t>Click icon to add picture</a:t>
+            </a:r>
+            <a:endParaRPr lang="en-US" dirty="0"/>
+          </a:p>
+        </p:txBody>
+      </p:sp>
+      <p:sp>
+        <p:nvSpPr>
+          <p:cNvPr id="4" name="Text Placeholder 3"/>
           <p:cNvSpPr>
             <a:spLocks noGrp="1"/>
           </p:cNvSpPr>
@@ -2643,13 +2409,7 @@
       </p:sp>
       <p:sp>
         <p:nvSpPr>
-          <p:cNvPr id="5" name="Date Placeholder 4">
-            <a:extLst>
-              <a:ext uri="{FF2B5EF4-FFF2-40B4-BE49-F238E27FC236}">
-                <a16:creationId xmlns:a16="http://schemas.microsoft.com/office/drawing/2014/main" id="{C0899D2B-0262-F377-E5A1-FB56DEA47AFD}"/>
-              </a:ext>
-            </a:extLst>
-          </p:cNvPr>
+          <p:cNvPr id="5" name="Date Placeholder 4"/>
           <p:cNvSpPr>
             <a:spLocks noGrp="1"/>
           </p:cNvSpPr>
@@ -2664,7 +2424,7 @@
           <a:p>
             <a:fld id="{F6E044D1-5B3B-1B4A-A37D-02C823E29202}" type="datetimeFigureOut">
               <a:rPr lang="en-US" smtClean="0"/>
-              <a:t>2/12/24</a:t>
+              <a:t>5/7/24</a:t>
             </a:fld>
             <a:endParaRPr lang="en-US"/>
           </a:p>
@@ -2672,13 +2432,7 @@
       </p:sp>
       <p:sp>
         <p:nvSpPr>
-          <p:cNvPr id="6" name="Footer Placeholder 5">
-            <a:extLst>
-              <a:ext uri="{FF2B5EF4-FFF2-40B4-BE49-F238E27FC236}">
-                <a16:creationId xmlns:a16="http://schemas.microsoft.com/office/drawing/2014/main" id="{A38A8109-B4FD-E527-850D-C1CC5D09BDB8}"/>
-              </a:ext>
-            </a:extLst>
-          </p:cNvPr>
+          <p:cNvPr id="6" name="Footer Placeholder 5"/>
           <p:cNvSpPr>
             <a:spLocks noGrp="1"/>
           </p:cNvSpPr>
@@ -2697,13 +2451,7 @@
       </p:sp>
       <p:sp>
         <p:nvSpPr>
-          <p:cNvPr id="7" name="Slide Number Placeholder 6">
-            <a:extLst>
-              <a:ext uri="{FF2B5EF4-FFF2-40B4-BE49-F238E27FC236}">
-                <a16:creationId xmlns:a16="http://schemas.microsoft.com/office/drawing/2014/main" id="{7E9905EB-33E2-6010-CFA9-563E9D554AF4}"/>
-              </a:ext>
-            </a:extLst>
-          </p:cNvPr>
+          <p:cNvPr id="7" name="Slide Number Placeholder 6"/>
           <p:cNvSpPr>
             <a:spLocks noGrp="1"/>
           </p:cNvSpPr>
@@ -2727,7 +2475,7 @@
     </p:spTree>
     <p:extLst>
       <p:ext uri="{BB962C8B-B14F-4D97-AF65-F5344CB8AC3E}">
-        <p14:creationId xmlns:p14="http://schemas.microsoft.com/office/powerpoint/2010/main" val="4054428260"/>
+        <p14:creationId xmlns:p14="http://schemas.microsoft.com/office/powerpoint/2010/main" val="3236471905"/>
       </p:ext>
     </p:extLst>
   </p:cSld>
@@ -2761,13 +2509,7 @@
       </p:grpSpPr>
       <p:sp>
         <p:nvSpPr>
-          <p:cNvPr id="2" name="Title Placeholder 1">
-            <a:extLst>
-              <a:ext uri="{FF2B5EF4-FFF2-40B4-BE49-F238E27FC236}">
-                <a16:creationId xmlns:a16="http://schemas.microsoft.com/office/drawing/2014/main" id="{1D164DDA-C4F3-DD7B-5611-CF7F17716C37}"/>
-              </a:ext>
-            </a:extLst>
-          </p:cNvPr>
+          <p:cNvPr id="2" name="Title Placeholder 1"/>
           <p:cNvSpPr>
             <a:spLocks noGrp="1"/>
           </p:cNvSpPr>
@@ -2794,18 +2536,13 @@
               <a:rPr lang="en-US"/>
               <a:t>Click to edit Master title style</a:t>
             </a:r>
-          </a:p>
-        </p:txBody>
-      </p:sp>
-      <p:sp>
-        <p:nvSpPr>
-          <p:cNvPr id="3" name="Text Placeholder 2">
-            <a:extLst>
-              <a:ext uri="{FF2B5EF4-FFF2-40B4-BE49-F238E27FC236}">
-                <a16:creationId xmlns:a16="http://schemas.microsoft.com/office/drawing/2014/main" id="{4878301C-C356-7296-D39D-9FB6E215D647}"/>
-              </a:ext>
-            </a:extLst>
-          </p:cNvPr>
+            <a:endParaRPr lang="en-US" dirty="0"/>
+          </a:p>
+        </p:txBody>
+      </p:sp>
+      <p:sp>
+        <p:nvSpPr>
+          <p:cNvPr id="3" name="Text Placeholder 2"/>
           <p:cNvSpPr>
             <a:spLocks noGrp="1"/>
           </p:cNvSpPr>
@@ -2861,18 +2598,13 @@
               <a:rPr lang="en-US"/>
               <a:t>Fifth level</a:t>
             </a:r>
-          </a:p>
-        </p:txBody>
-      </p:sp>
-      <p:sp>
-        <p:nvSpPr>
-          <p:cNvPr id="4" name="Date Placeholder 3">
-            <a:extLst>
-              <a:ext uri="{FF2B5EF4-FFF2-40B4-BE49-F238E27FC236}">
-                <a16:creationId xmlns:a16="http://schemas.microsoft.com/office/drawing/2014/main" id="{D298A90A-2AF8-7F68-88DD-032CE7BB3276}"/>
-              </a:ext>
-            </a:extLst>
-          </p:cNvPr>
+            <a:endParaRPr lang="en-US" dirty="0"/>
+          </a:p>
+        </p:txBody>
+      </p:sp>
+      <p:sp>
+        <p:nvSpPr>
+          <p:cNvPr id="4" name="Date Placeholder 3"/>
           <p:cNvSpPr>
             <a:spLocks noGrp="1"/>
           </p:cNvSpPr>
@@ -2905,7 +2637,7 @@
           <a:p>
             <a:fld id="{F6E044D1-5B3B-1B4A-A37D-02C823E29202}" type="datetimeFigureOut">
               <a:rPr lang="en-US" smtClean="0"/>
-              <a:t>2/12/24</a:t>
+              <a:t>5/7/24</a:t>
             </a:fld>
             <a:endParaRPr lang="en-US"/>
           </a:p>
@@ -2913,13 +2645,7 @@
       </p:sp>
       <p:sp>
         <p:nvSpPr>
-          <p:cNvPr id="5" name="Footer Placeholder 4">
-            <a:extLst>
-              <a:ext uri="{FF2B5EF4-FFF2-40B4-BE49-F238E27FC236}">
-                <a16:creationId xmlns:a16="http://schemas.microsoft.com/office/drawing/2014/main" id="{DB8B4679-A9CB-206A-FD37-22B4DDA63A40}"/>
-              </a:ext>
-            </a:extLst>
-          </p:cNvPr>
+          <p:cNvPr id="5" name="Footer Placeholder 4"/>
           <p:cNvSpPr>
             <a:spLocks noGrp="1"/>
           </p:cNvSpPr>
@@ -2956,13 +2682,7 @@
       </p:sp>
       <p:sp>
         <p:nvSpPr>
-          <p:cNvPr id="6" name="Slide Number Placeholder 5">
-            <a:extLst>
-              <a:ext uri="{FF2B5EF4-FFF2-40B4-BE49-F238E27FC236}">
-                <a16:creationId xmlns:a16="http://schemas.microsoft.com/office/drawing/2014/main" id="{23499CF0-E215-B8BC-DAED-AE4A72B3A6F6}"/>
-              </a:ext>
-            </a:extLst>
-          </p:cNvPr>
+          <p:cNvPr id="6" name="Slide Number Placeholder 5"/>
           <p:cNvSpPr>
             <a:spLocks noGrp="1"/>
           </p:cNvSpPr>
@@ -3004,23 +2724,23 @@
     </p:spTree>
     <p:extLst>
       <p:ext uri="{BB962C8B-B14F-4D97-AF65-F5344CB8AC3E}">
-        <p14:creationId xmlns:p14="http://schemas.microsoft.com/office/powerpoint/2010/main" val="4067137998"/>
+        <p14:creationId xmlns:p14="http://schemas.microsoft.com/office/powerpoint/2010/main" val="4278987252"/>
       </p:ext>
     </p:extLst>
   </p:cSld>
   <p:clrMap bg1="lt1" tx1="dk1" bg2="lt2" tx2="dk2" accent1="accent1" accent2="accent2" accent3="accent3" accent4="accent4" accent5="accent5" accent6="accent6" hlink="hlink" folHlink="folHlink"/>
   <p:sldLayoutIdLst>
-    <p:sldLayoutId id="2147483649" r:id="rId1"/>
-    <p:sldLayoutId id="2147483650" r:id="rId2"/>
-    <p:sldLayoutId id="2147483651" r:id="rId3"/>
-    <p:sldLayoutId id="2147483652" r:id="rId4"/>
-    <p:sldLayoutId id="2147483653" r:id="rId5"/>
-    <p:sldLayoutId id="2147483654" r:id="rId6"/>
-    <p:sldLayoutId id="2147483655" r:id="rId7"/>
-    <p:sldLayoutId id="2147483656" r:id="rId8"/>
-    <p:sldLayoutId id="2147483657" r:id="rId9"/>
-    <p:sldLayoutId id="2147483658" r:id="rId10"/>
-    <p:sldLayoutId id="2147483659" r:id="rId11"/>
+    <p:sldLayoutId id="2147483661" r:id="rId1"/>
+    <p:sldLayoutId id="2147483662" r:id="rId2"/>
+    <p:sldLayoutId id="2147483663" r:id="rId3"/>
+    <p:sldLayoutId id="2147483664" r:id="rId4"/>
+    <p:sldLayoutId id="2147483665" r:id="rId5"/>
+    <p:sldLayoutId id="2147483666" r:id="rId6"/>
+    <p:sldLayoutId id="2147483667" r:id="rId7"/>
+    <p:sldLayoutId id="2147483668" r:id="rId8"/>
+    <p:sldLayoutId id="2147483669" r:id="rId9"/>
+    <p:sldLayoutId id="2147483670" r:id="rId10"/>
+    <p:sldLayoutId id="2147483671" r:id="rId11"/>
   </p:sldLayoutIdLst>
   <p:txStyles>
     <p:titleStyle>
@@ -3443,13 +3163,13 @@
               <a:avLst/>
             </a:prstGeom>
             <a:solidFill>
-              <a:srgbClr val="34AC8B">
+              <a:schemeClr val="accent4">
                 <a:alpha val="71765"/>
-              </a:srgbClr>
+              </a:schemeClr>
             </a:solidFill>
             <a:ln w="57150">
               <a:solidFill>
-                <a:srgbClr val="34AC8B"/>
+                <a:schemeClr val="accent4"/>
               </a:solidFill>
             </a:ln>
           </p:spPr>
@@ -3506,13 +3226,13 @@
               <a:avLst/>
             </a:prstGeom>
             <a:solidFill>
-              <a:srgbClr val="A7EA52">
+              <a:schemeClr val="accent6">
                 <a:alpha val="74902"/>
-              </a:srgbClr>
+              </a:schemeClr>
             </a:solidFill>
             <a:ln w="57150">
               <a:solidFill>
-                <a:srgbClr val="A7EA52"/>
+                <a:schemeClr val="accent6"/>
               </a:solidFill>
             </a:ln>
           </p:spPr>
@@ -3569,13 +3289,13 @@
               <a:avLst/>
             </a:prstGeom>
             <a:solidFill>
-              <a:srgbClr val="FF8021">
+              <a:schemeClr val="accent2">
                 <a:alpha val="72941"/>
-              </a:srgbClr>
+              </a:schemeClr>
             </a:solidFill>
             <a:ln w="57150">
               <a:solidFill>
-                <a:srgbClr val="FF8021"/>
+                <a:schemeClr val="accent2"/>
               </a:solidFill>
             </a:ln>
           </p:spPr>
@@ -3910,7 +3630,7 @@
 <file path=ppt/theme/theme1.xml><?xml version="1.0" encoding="utf-8"?>
 <a:theme xmlns:a="http://schemas.openxmlformats.org/drawingml/2006/main" name="Office Theme">
   <a:themeElements>
-    <a:clrScheme name="Office">
+    <a:clrScheme name="Office Theme">
       <a:dk1>
         <a:sysClr val="windowText" lastClr="000000"/>
       </a:dk1>
@@ -3948,7 +3668,7 @@
         <a:srgbClr val="954F72"/>
       </a:folHlink>
     </a:clrScheme>
-    <a:fontScheme name="Office">
+    <a:fontScheme name="Office Theme">
       <a:majorFont>
         <a:latin typeface="Calibri Light" panose="020F0302020204030204"/>
         <a:ea typeface=""/>
@@ -3983,23 +3703,6 @@
         <a:font script="Viet" typeface="Times New Roman"/>
         <a:font script="Uigh" typeface="Microsoft Uighur"/>
         <a:font script="Geor" typeface="Sylfaen"/>
-        <a:font script="Armn" typeface="Arial"/>
-        <a:font script="Bugi" typeface="Leelawadee UI"/>
-        <a:font script="Bopo" typeface="Microsoft JhengHei"/>
-        <a:font script="Java" typeface="Javanese Text"/>
-        <a:font script="Lisu" typeface="Segoe UI"/>
-        <a:font script="Mymr" typeface="Myanmar Text"/>
-        <a:font script="Nkoo" typeface="Ebrima"/>
-        <a:font script="Olck" typeface="Nirmala UI"/>
-        <a:font script="Osma" typeface="Ebrima"/>
-        <a:font script="Phag" typeface="Phagspa"/>
-        <a:font script="Syrn" typeface="Estrangelo Edessa"/>
-        <a:font script="Syrj" typeface="Estrangelo Edessa"/>
-        <a:font script="Syre" typeface="Estrangelo Edessa"/>
-        <a:font script="Sora" typeface="Nirmala UI"/>
-        <a:font script="Tale" typeface="Microsoft Tai Le"/>
-        <a:font script="Talu" typeface="Microsoft New Tai Lue"/>
-        <a:font script="Tfng" typeface="Ebrima"/>
       </a:majorFont>
       <a:minorFont>
         <a:latin typeface="Calibri" panose="020F0502020204030204"/>
@@ -4035,26 +3738,9 @@
         <a:font script="Viet" typeface="Arial"/>
         <a:font script="Uigh" typeface="Microsoft Uighur"/>
         <a:font script="Geor" typeface="Sylfaen"/>
-        <a:font script="Armn" typeface="Arial"/>
-        <a:font script="Bugi" typeface="Leelawadee UI"/>
-        <a:font script="Bopo" typeface="Microsoft JhengHei"/>
-        <a:font script="Java" typeface="Javanese Text"/>
-        <a:font script="Lisu" typeface="Segoe UI"/>
-        <a:font script="Mymr" typeface="Myanmar Text"/>
-        <a:font script="Nkoo" typeface="Ebrima"/>
-        <a:font script="Olck" typeface="Nirmala UI"/>
-        <a:font script="Osma" typeface="Ebrima"/>
-        <a:font script="Phag" typeface="Phagspa"/>
-        <a:font script="Syrn" typeface="Estrangelo Edessa"/>
-        <a:font script="Syrj" typeface="Estrangelo Edessa"/>
-        <a:font script="Syre" typeface="Estrangelo Edessa"/>
-        <a:font script="Sora" typeface="Nirmala UI"/>
-        <a:font script="Tale" typeface="Microsoft Tai Le"/>
-        <a:font script="Talu" typeface="Microsoft New Tai Lue"/>
-        <a:font script="Tfng" typeface="Ebrima"/>
       </a:minorFont>
     </a:fontScheme>
-    <a:fmtScheme name="Office">
+    <a:fmtScheme name="Office Theme">
       <a:fillStyleLst>
         <a:solidFill>
           <a:schemeClr val="phClr"/>
@@ -4196,7 +3882,7 @@
   <a:extraClrSchemeLst/>
   <a:extLst>
     <a:ext uri="{05A4C25C-085E-4340-85A3-A5531E510DB2}">
-      <thm15:themeFamily xmlns:thm15="http://schemas.microsoft.com/office/thememl/2012/main" name="Office Theme" id="{62F939B6-93AF-4DB8-9C6B-D6C7DFDC589F}" vid="{4A3C46E8-61CC-4603-A589-7422A47A8E4A}"/>
+      <thm15:themeFamily xmlns:thm15="http://schemas.microsoft.com/office/thememl/2012/main" name="Office 2013 - 2022 Theme" id="{62F939B6-93AF-4DB8-9C6B-D6C7DFDC589F}" vid="{4A3C46E8-61CC-4603-A589-7422A47A8E4A}"/>
     </a:ext>
   </a:extLst>
 </a:theme>
